--- a/img/mdp_tree.pptx
+++ b/img/mdp_tree.pptx
@@ -243,7 +243,7 @@
           <a:p>
             <a:fld id="{003F6F7A-E005-453B-92D2-030EFA9066ED}" type="datetimeFigureOut">
               <a:rPr lang="fr-FR" smtClean="0"/>
-              <a:t>16/03/2020</a:t>
+              <a:t>02/04/2020</a:t>
             </a:fld>
             <a:endParaRPr lang="fr-FR"/>
           </a:p>
@@ -413,7 +413,7 @@
           <a:p>
             <a:fld id="{003F6F7A-E005-453B-92D2-030EFA9066ED}" type="datetimeFigureOut">
               <a:rPr lang="fr-FR" smtClean="0"/>
-              <a:t>16/03/2020</a:t>
+              <a:t>02/04/2020</a:t>
             </a:fld>
             <a:endParaRPr lang="fr-FR"/>
           </a:p>
@@ -593,7 +593,7 @@
           <a:p>
             <a:fld id="{003F6F7A-E005-453B-92D2-030EFA9066ED}" type="datetimeFigureOut">
               <a:rPr lang="fr-FR" smtClean="0"/>
-              <a:t>16/03/2020</a:t>
+              <a:t>02/04/2020</a:t>
             </a:fld>
             <a:endParaRPr lang="fr-FR"/>
           </a:p>
@@ -763,7 +763,7 @@
           <a:p>
             <a:fld id="{003F6F7A-E005-453B-92D2-030EFA9066ED}" type="datetimeFigureOut">
               <a:rPr lang="fr-FR" smtClean="0"/>
-              <a:t>16/03/2020</a:t>
+              <a:t>02/04/2020</a:t>
             </a:fld>
             <a:endParaRPr lang="fr-FR"/>
           </a:p>
@@ -1007,7 +1007,7 @@
           <a:p>
             <a:fld id="{003F6F7A-E005-453B-92D2-030EFA9066ED}" type="datetimeFigureOut">
               <a:rPr lang="fr-FR" smtClean="0"/>
-              <a:t>16/03/2020</a:t>
+              <a:t>02/04/2020</a:t>
             </a:fld>
             <a:endParaRPr lang="fr-FR"/>
           </a:p>
@@ -1239,7 +1239,7 @@
           <a:p>
             <a:fld id="{003F6F7A-E005-453B-92D2-030EFA9066ED}" type="datetimeFigureOut">
               <a:rPr lang="fr-FR" smtClean="0"/>
-              <a:t>16/03/2020</a:t>
+              <a:t>02/04/2020</a:t>
             </a:fld>
             <a:endParaRPr lang="fr-FR"/>
           </a:p>
@@ -1606,7 +1606,7 @@
           <a:p>
             <a:fld id="{003F6F7A-E005-453B-92D2-030EFA9066ED}" type="datetimeFigureOut">
               <a:rPr lang="fr-FR" smtClean="0"/>
-              <a:t>16/03/2020</a:t>
+              <a:t>02/04/2020</a:t>
             </a:fld>
             <a:endParaRPr lang="fr-FR"/>
           </a:p>
@@ -1724,7 +1724,7 @@
           <a:p>
             <a:fld id="{003F6F7A-E005-453B-92D2-030EFA9066ED}" type="datetimeFigureOut">
               <a:rPr lang="fr-FR" smtClean="0"/>
-              <a:t>16/03/2020</a:t>
+              <a:t>02/04/2020</a:t>
             </a:fld>
             <a:endParaRPr lang="fr-FR"/>
           </a:p>
@@ -1819,7 +1819,7 @@
           <a:p>
             <a:fld id="{003F6F7A-E005-453B-92D2-030EFA9066ED}" type="datetimeFigureOut">
               <a:rPr lang="fr-FR" smtClean="0"/>
-              <a:t>16/03/2020</a:t>
+              <a:t>02/04/2020</a:t>
             </a:fld>
             <a:endParaRPr lang="fr-FR"/>
           </a:p>
@@ -2096,7 +2096,7 @@
           <a:p>
             <a:fld id="{003F6F7A-E005-453B-92D2-030EFA9066ED}" type="datetimeFigureOut">
               <a:rPr lang="fr-FR" smtClean="0"/>
-              <a:t>16/03/2020</a:t>
+              <a:t>02/04/2020</a:t>
             </a:fld>
             <a:endParaRPr lang="fr-FR"/>
           </a:p>
@@ -2353,7 +2353,7 @@
           <a:p>
             <a:fld id="{003F6F7A-E005-453B-92D2-030EFA9066ED}" type="datetimeFigureOut">
               <a:rPr lang="fr-FR" smtClean="0"/>
-              <a:t>16/03/2020</a:t>
+              <a:t>02/04/2020</a:t>
             </a:fld>
             <a:endParaRPr lang="fr-FR"/>
           </a:p>
@@ -2566,7 +2566,7 @@
           <a:p>
             <a:fld id="{003F6F7A-E005-453B-92D2-030EFA9066ED}" type="datetimeFigureOut">
               <a:rPr lang="fr-FR" smtClean="0"/>
-              <a:t>16/03/2020</a:t>
+              <a:t>02/04/2020</a:t>
             </a:fld>
             <a:endParaRPr lang="fr-FR"/>
           </a:p>
@@ -2997,7 +2997,7 @@
           </a:prstGeom>
           <a:ln w="38100">
             <a:solidFill>
-              <a:srgbClr val="C00000"/>
+              <a:schemeClr val="accent1"/>
             </a:solidFill>
             <a:tailEnd type="triangle" w="lg" len="lg"/>
           </a:ln>
@@ -3043,7 +3043,7 @@
           </a:prstGeom>
           <a:ln w="38100">
             <a:solidFill>
-              <a:schemeClr val="accent6"/>
+              <a:schemeClr val="accent3"/>
             </a:solidFill>
             <a:tailEnd type="triangle" w="lg" len="lg"/>
           </a:ln>
@@ -3165,8 +3165,8 @@
           </a:p>
         </p:txBody>
       </p:sp>
-      <mc:AlternateContent xmlns:mc="http://schemas.openxmlformats.org/markup-compatibility/2006">
-        <mc:Choice xmlns:a14="http://schemas.microsoft.com/office/drawing/2010/main" Requires="a14">
+      <mc:AlternateContent xmlns:mc="http://schemas.openxmlformats.org/markup-compatibility/2006" xmlns:a14="http://schemas.microsoft.com/office/drawing/2010/main">
+        <mc:Choice Requires="a14">
           <p:sp>
             <p:nvSpPr>
               <p:cNvPr id="39" name="ZoneTexte 38">
@@ -3256,7 +3256,7 @@
             </p:txBody>
           </p:sp>
         </mc:Choice>
-        <mc:Fallback>
+        <mc:Fallback xmlns="">
           <p:sp>
             <p:nvSpPr>
               <p:cNvPr id="39" name="ZoneTexte 38">
@@ -3301,8 +3301,8 @@
           </p:sp>
         </mc:Fallback>
       </mc:AlternateContent>
-      <mc:AlternateContent xmlns:mc="http://schemas.openxmlformats.org/markup-compatibility/2006">
-        <mc:Choice xmlns:a14="http://schemas.microsoft.com/office/drawing/2010/main" Requires="a14">
+      <mc:AlternateContent xmlns:mc="http://schemas.openxmlformats.org/markup-compatibility/2006" xmlns:a14="http://schemas.microsoft.com/office/drawing/2010/main">
+        <mc:Choice Requires="a14">
           <p:sp>
             <p:nvSpPr>
               <p:cNvPr id="40" name="ZoneTexte 39">
@@ -3392,7 +3392,7 @@
             </p:txBody>
           </p:sp>
         </mc:Choice>
-        <mc:Fallback>
+        <mc:Fallback xmlns="">
           <p:sp>
             <p:nvSpPr>
               <p:cNvPr id="40" name="ZoneTexte 39">
@@ -3461,7 +3461,7 @@
           </a:prstGeom>
           <a:ln w="38100">
             <a:solidFill>
-              <a:srgbClr val="C00000"/>
+              <a:schemeClr val="accent1"/>
             </a:solidFill>
             <a:tailEnd type="triangle" w="lg" len="lg"/>
           </a:ln>
@@ -3507,7 +3507,7 @@
           </a:prstGeom>
           <a:ln w="38100">
             <a:solidFill>
-              <a:srgbClr val="C00000"/>
+              <a:schemeClr val="accent1"/>
             </a:solidFill>
             <a:tailEnd type="triangle" w="lg" len="lg"/>
           </a:ln>
@@ -3603,7 +3603,7 @@
           </a:prstGeom>
           <a:ln w="38100">
             <a:solidFill>
-              <a:schemeClr val="accent6"/>
+              <a:schemeClr val="accent3"/>
             </a:solidFill>
             <a:tailEnd type="triangle" w="lg" len="lg"/>
           </a:ln>
@@ -3699,7 +3699,7 @@
           </a:prstGeom>
           <a:ln w="38100">
             <a:solidFill>
-              <a:schemeClr val="accent6"/>
+              <a:schemeClr val="accent3"/>
             </a:solidFill>
             <a:tailEnd type="triangle" w="lg" len="lg"/>
           </a:ln>
@@ -3872,8 +3872,8 @@
           </a:p>
         </p:txBody>
       </p:sp>
-      <mc:AlternateContent xmlns:mc="http://schemas.openxmlformats.org/markup-compatibility/2006">
-        <mc:Choice xmlns:a14="http://schemas.microsoft.com/office/drawing/2010/main" Requires="a14">
+      <mc:AlternateContent xmlns:mc="http://schemas.openxmlformats.org/markup-compatibility/2006" xmlns:a14="http://schemas.microsoft.com/office/drawing/2010/main">
+        <mc:Choice Requires="a14">
           <p:sp>
             <p:nvSpPr>
               <p:cNvPr id="54" name="ZoneTexte 53">
@@ -3963,7 +3963,7 @@
             </p:txBody>
           </p:sp>
         </mc:Choice>
-        <mc:Fallback>
+        <mc:Fallback xmlns="">
           <p:sp>
             <p:nvSpPr>
               <p:cNvPr id="54" name="ZoneTexte 53">
@@ -4008,8 +4008,8 @@
           </p:sp>
         </mc:Fallback>
       </mc:AlternateContent>
-      <mc:AlternateContent xmlns:mc="http://schemas.openxmlformats.org/markup-compatibility/2006">
-        <mc:Choice xmlns:a14="http://schemas.microsoft.com/office/drawing/2010/main" Requires="a14">
+      <mc:AlternateContent xmlns:mc="http://schemas.openxmlformats.org/markup-compatibility/2006" xmlns:a14="http://schemas.microsoft.com/office/drawing/2010/main">
+        <mc:Choice Requires="a14">
           <p:sp>
             <p:nvSpPr>
               <p:cNvPr id="55" name="ZoneTexte 54">
@@ -4099,7 +4099,7 @@
             </p:txBody>
           </p:sp>
         </mc:Choice>
-        <mc:Fallback>
+        <mc:Fallback xmlns="">
           <p:sp>
             <p:nvSpPr>
               <p:cNvPr id="55" name="ZoneTexte 54">
@@ -4144,8 +4144,8 @@
           </p:sp>
         </mc:Fallback>
       </mc:AlternateContent>
-      <mc:AlternateContent xmlns:mc="http://schemas.openxmlformats.org/markup-compatibility/2006">
-        <mc:Choice xmlns:a14="http://schemas.microsoft.com/office/drawing/2010/main" Requires="a14">
+      <mc:AlternateContent xmlns:mc="http://schemas.openxmlformats.org/markup-compatibility/2006" xmlns:a14="http://schemas.microsoft.com/office/drawing/2010/main">
+        <mc:Choice Requires="a14">
           <p:sp>
             <p:nvSpPr>
               <p:cNvPr id="56" name="ZoneTexte 55">
@@ -4214,7 +4214,7 @@
             </p:txBody>
           </p:sp>
         </mc:Choice>
-        <mc:Fallback>
+        <mc:Fallback xmlns="">
           <p:sp>
             <p:nvSpPr>
               <p:cNvPr id="56" name="ZoneTexte 55">
@@ -4259,8 +4259,8 @@
           </p:sp>
         </mc:Fallback>
       </mc:AlternateContent>
-      <mc:AlternateContent xmlns:mc="http://schemas.openxmlformats.org/markup-compatibility/2006">
-        <mc:Choice xmlns:a14="http://schemas.microsoft.com/office/drawing/2010/main" Requires="a14">
+      <mc:AlternateContent xmlns:mc="http://schemas.openxmlformats.org/markup-compatibility/2006" xmlns:a14="http://schemas.microsoft.com/office/drawing/2010/main">
+        <mc:Choice Requires="a14">
           <p:sp>
             <p:nvSpPr>
               <p:cNvPr id="57" name="ZoneTexte 56">
@@ -4329,7 +4329,7 @@
             </p:txBody>
           </p:sp>
         </mc:Choice>
-        <mc:Fallback>
+        <mc:Fallback xmlns="">
           <p:sp>
             <p:nvSpPr>
               <p:cNvPr id="57" name="ZoneTexte 56">
@@ -4374,8 +4374,8 @@
           </p:sp>
         </mc:Fallback>
       </mc:AlternateContent>
-      <mc:AlternateContent xmlns:mc="http://schemas.openxmlformats.org/markup-compatibility/2006">
-        <mc:Choice xmlns:a14="http://schemas.microsoft.com/office/drawing/2010/main" Requires="a14">
+      <mc:AlternateContent xmlns:mc="http://schemas.openxmlformats.org/markup-compatibility/2006" xmlns:a14="http://schemas.microsoft.com/office/drawing/2010/main">
+        <mc:Choice Requires="a14">
           <p:sp>
             <p:nvSpPr>
               <p:cNvPr id="58" name="ZoneTexte 57">
@@ -4444,7 +4444,7 @@
             </p:txBody>
           </p:sp>
         </mc:Choice>
-        <mc:Fallback>
+        <mc:Fallback xmlns="">
           <p:sp>
             <p:nvSpPr>
               <p:cNvPr id="58" name="ZoneTexte 57">
@@ -4489,8 +4489,8 @@
           </p:sp>
         </mc:Fallback>
       </mc:AlternateContent>
-      <mc:AlternateContent xmlns:mc="http://schemas.openxmlformats.org/markup-compatibility/2006">
-        <mc:Choice xmlns:a14="http://schemas.microsoft.com/office/drawing/2010/main" Requires="a14">
+      <mc:AlternateContent xmlns:mc="http://schemas.openxmlformats.org/markup-compatibility/2006" xmlns:a14="http://schemas.microsoft.com/office/drawing/2010/main">
+        <mc:Choice Requires="a14">
           <p:sp>
             <p:nvSpPr>
               <p:cNvPr id="59" name="ZoneTexte 58">
@@ -4559,7 +4559,7 @@
             </p:txBody>
           </p:sp>
         </mc:Choice>
-        <mc:Fallback>
+        <mc:Fallback xmlns="">
           <p:sp>
             <p:nvSpPr>
               <p:cNvPr id="59" name="ZoneTexte 58">
@@ -4604,8 +4604,8 @@
           </p:sp>
         </mc:Fallback>
       </mc:AlternateContent>
-      <mc:AlternateContent xmlns:mc="http://schemas.openxmlformats.org/markup-compatibility/2006">
-        <mc:Choice xmlns:a14="http://schemas.microsoft.com/office/drawing/2010/main" Requires="a14">
+      <mc:AlternateContent xmlns:mc="http://schemas.openxmlformats.org/markup-compatibility/2006" xmlns:a14="http://schemas.microsoft.com/office/drawing/2010/main">
+        <mc:Choice Requires="a14">
           <p:sp>
             <p:nvSpPr>
               <p:cNvPr id="60" name="ZoneTexte 59">
@@ -4674,7 +4674,7 @@
             </p:txBody>
           </p:sp>
         </mc:Choice>
-        <mc:Fallback>
+        <mc:Fallback xmlns="">
           <p:sp>
             <p:nvSpPr>
               <p:cNvPr id="60" name="ZoneTexte 59">
@@ -4719,8 +4719,8 @@
           </p:sp>
         </mc:Fallback>
       </mc:AlternateContent>
-      <mc:AlternateContent xmlns:mc="http://schemas.openxmlformats.org/markup-compatibility/2006">
-        <mc:Choice xmlns:a14="http://schemas.microsoft.com/office/drawing/2010/main" Requires="a14">
+      <mc:AlternateContent xmlns:mc="http://schemas.openxmlformats.org/markup-compatibility/2006" xmlns:a14="http://schemas.microsoft.com/office/drawing/2010/main">
+        <mc:Choice Requires="a14">
           <p:sp>
             <p:nvSpPr>
               <p:cNvPr id="61" name="ZoneTexte 60">
@@ -4789,7 +4789,7 @@
             </p:txBody>
           </p:sp>
         </mc:Choice>
-        <mc:Fallback>
+        <mc:Fallback xmlns="">
           <p:sp>
             <p:nvSpPr>
               <p:cNvPr id="61" name="ZoneTexte 60">
@@ -4834,8 +4834,8 @@
           </p:sp>
         </mc:Fallback>
       </mc:AlternateContent>
-      <mc:AlternateContent xmlns:mc="http://schemas.openxmlformats.org/markup-compatibility/2006">
-        <mc:Choice xmlns:a14="http://schemas.microsoft.com/office/drawing/2010/main" Requires="a14">
+      <mc:AlternateContent xmlns:mc="http://schemas.openxmlformats.org/markup-compatibility/2006" xmlns:a14="http://schemas.microsoft.com/office/drawing/2010/main">
+        <mc:Choice Requires="a14">
           <p:sp>
             <p:nvSpPr>
               <p:cNvPr id="62" name="ZoneTexte 61">
@@ -4904,7 +4904,7 @@
             </p:txBody>
           </p:sp>
         </mc:Choice>
-        <mc:Fallback>
+        <mc:Fallback xmlns="">
           <p:sp>
             <p:nvSpPr>
               <p:cNvPr id="62" name="ZoneTexte 61">
@@ -4965,7 +4965,7 @@
 <file path=ppt/theme/theme1.xml><?xml version="1.0" encoding="utf-8"?>
 <a:theme xmlns:a="http://schemas.openxmlformats.org/drawingml/2006/main" name="Thème Office">
   <a:themeElements>
-    <a:clrScheme name="Thème Office">
+    <a:clrScheme name="Matplotlib">
       <a:dk1>
         <a:sysClr val="windowText" lastClr="000000"/>
       </a:dk1>
@@ -4979,22 +4979,22 @@
         <a:srgbClr val="E7E6E6"/>
       </a:lt2>
       <a:accent1>
-        <a:srgbClr val="4472C4"/>
+        <a:srgbClr val="FF7F0E"/>
       </a:accent1>
       <a:accent2>
-        <a:srgbClr val="ED7D31"/>
+        <a:srgbClr val="1F77B4"/>
       </a:accent2>
       <a:accent3>
-        <a:srgbClr val="A5A5A5"/>
+        <a:srgbClr val="2CA02C"/>
       </a:accent3>
       <a:accent4>
-        <a:srgbClr val="FFC000"/>
+        <a:srgbClr val="1D6FA9"/>
       </a:accent4>
       <a:accent5>
-        <a:srgbClr val="5B9BD5"/>
+        <a:srgbClr val="B74919"/>
       </a:accent5>
       <a:accent6>
-        <a:srgbClr val="70AD47"/>
+        <a:srgbClr val="F19D19"/>
       </a:accent6>
       <a:hlink>
         <a:srgbClr val="0563C1"/>
